--- a/Team7-Inception.pptx
+++ b/Team7-Inception.pptx
@@ -116,6 +116,11 @@
       </a:defRPr>
     </a:lvl9pPr>
   </p:defaultTextStyle>
+  <p:extLst>
+    <p:ext uri="{EFAFB233-063F-42B5-8137-9DF3F51BA10A}">
+      <p15:sldGuideLst xmlns:p15="http://schemas.microsoft.com/office/powerpoint/2012/main"/>
+    </p:ext>
+  </p:extLst>
 </p:presentation>
 </file>
 
@@ -6724,32 +6729,6 @@
       </p:sp>
       <p:sp>
         <p:nvSpPr>
-          <p:cNvPr id="3" name="Text Placeholder 2"/>
-          <p:cNvSpPr>
-            <a:spLocks noGrp="1"/>
-          </p:cNvSpPr>
-          <p:nvPr>
-            <p:ph type="body" idx="1"/>
-          </p:nvPr>
-        </p:nvSpPr>
-        <p:spPr/>
-        <p:txBody>
-          <a:bodyPr>
-            <a:normAutofit/>
-          </a:bodyPr>
-          <a:lstStyle/>
-          <a:p>
-            <a:pPr algn="ctr"/>
-            <a:r>
-              <a:rPr lang="en-US" sz="2800" dirty="0" smtClean="0"/>
-              <a:t>Any Questions?</a:t>
-            </a:r>
-            <a:endParaRPr lang="en-US" sz="2800" dirty="0"/>
-          </a:p>
-        </p:txBody>
-      </p:sp>
-      <p:sp>
-        <p:nvSpPr>
           <p:cNvPr id="4" name="Slide Number Placeholder 3"/>
           <p:cNvSpPr>
             <a:spLocks noGrp="1"/>
@@ -7195,7 +7174,7 @@
         </p:spPr>
         <p:txBody>
           <a:bodyPr>
-            <a:normAutofit fontScale="92500" lnSpcReduction="10000"/>
+            <a:normAutofit/>
           </a:bodyPr>
           <a:lstStyle/>
           <a:p>
@@ -7284,39 +7263,42 @@
             </a:r>
             <a:r>
               <a:rPr lang="en-US" sz="2800" dirty="0"/>
-              <a:t> better:  </a:t>
-            </a:r>
+              <a:t> </a:t>
+            </a:r>
+            <a:r>
+              <a:rPr lang="en-US" sz="2800" dirty="0" smtClean="0"/>
+              <a:t>better:</a:t>
+            </a:r>
+          </a:p>
+          <a:p>
+            <a:pPr marL="0" indent="0">
+              <a:buNone/>
+            </a:pPr>
             <a:r>
               <a:rPr lang="en-US" sz="2800" dirty="0"/>
-              <a:t>There are a few applications like </a:t>
-            </a:r>
-            <a:r>
-              <a:rPr lang="en-US" sz="2800" dirty="0" err="1"/>
-              <a:t>locoText</a:t>
-            </a:r>
+              <a:t> </a:t>
+            </a:r>
+            <a:r>
+              <a:rPr lang="en-US" sz="2800" dirty="0" smtClean="0"/>
+              <a:t>   Appealing and easy interface</a:t>
+            </a:r>
+          </a:p>
+          <a:p>
+            <a:pPr marL="0" indent="0">
+              <a:buNone/>
+            </a:pPr>
             <a:r>
               <a:rPr lang="en-US" sz="2800" dirty="0"/>
-              <a:t> , Smart Silence each of which includes only one of the features included In our application. The </a:t>
-            </a:r>
-            <a:r>
-              <a:rPr lang="en-US" sz="2800" dirty="0" err="1"/>
-              <a:t>Geofence</a:t>
-            </a:r>
-            <a:r>
-              <a:rPr lang="en-US" sz="2800" dirty="0"/>
-              <a:t> Tracker </a:t>
-            </a:r>
-            <a:r>
-              <a:rPr lang="en-US" sz="2800" dirty="0" err="1"/>
-              <a:t>Tasker</a:t>
-            </a:r>
-            <a:r>
-              <a:rPr lang="en-US" sz="2800" dirty="0"/>
-              <a:t> although does most of the functionalities included in our application ,it does not have the “Location based Reminder” feature. </a:t>
-            </a:r>
-          </a:p>
-          <a:p>
-            <a:pPr lvl="0"/>
+              <a:t> </a:t>
+            </a:r>
+            <a:r>
+              <a:rPr lang="en-US" sz="2800" dirty="0" smtClean="0"/>
+              <a:t>   “location </a:t>
+            </a:r>
+            <a:r>
+              <a:rPr lang="en-US" sz="2800" smtClean="0"/>
+              <a:t>based reminders”</a:t>
+            </a:r>
             <a:endParaRPr lang="en-US" dirty="0"/>
           </a:p>
         </p:txBody>
